--- a/ML_Presentation_1.pptx
+++ b/ML_Presentation_1.pptx
@@ -2094,7 +2094,7 @@
       </p:grpSpPr>
       <p:sp>
         <p:nvSpPr>
-          <p:cNvPr id="128" name="Google Shape;128;g3411cae00f9_1_54:notes"/>
+          <p:cNvPr id="128" name="Google Shape;128;g3411cae00f9_1_17:notes"/>
           <p:cNvSpPr txBox="1"/>
           <p:nvPr>
             <p:ph idx="1" type="body"/>
@@ -2133,7 +2133,7 @@
       </p:sp>
       <p:sp>
         <p:nvSpPr>
-          <p:cNvPr id="129" name="Google Shape;129;g3411cae00f9_1_54:notes"/>
+          <p:cNvPr id="129" name="Google Shape;129;g3411cae00f9_1_17:notes"/>
           <p:cNvSpPr/>
           <p:nvPr>
             <p:ph idx="2" type="sldImg"/>
@@ -2193,7 +2193,7 @@
       </p:grpSpPr>
       <p:sp>
         <p:nvSpPr>
-          <p:cNvPr id="136" name="Google Shape;136;g3411cae00f9_1_17:notes"/>
+          <p:cNvPr id="136" name="Google Shape;136;g3411cae00f9_1_54:notes"/>
           <p:cNvSpPr txBox="1"/>
           <p:nvPr>
             <p:ph idx="1" type="body"/>
@@ -2232,7 +2232,7 @@
       </p:sp>
       <p:sp>
         <p:nvSpPr>
-          <p:cNvPr id="137" name="Google Shape;137;g3411cae00f9_1_17:notes"/>
+          <p:cNvPr id="137" name="Google Shape;137;g3411cae00f9_1_54:notes"/>
           <p:cNvSpPr/>
           <p:nvPr>
             <p:ph idx="2" type="sldImg"/>
@@ -11908,7 +11908,7 @@
           </a:bodyPr>
           <a:lstStyle/>
           <a:p>
-            <a:pPr indent="0" lvl="0" marL="0" rtl="0" algn="l">
+            <a:pPr indent="0" lvl="0" marL="0" rtl="0" algn="ctr">
               <a:spcBef>
                 <a:spcPts val="0"/>
               </a:spcBef>
@@ -11942,7 +11942,7 @@
         </p:nvSpPr>
         <p:spPr>
           <a:xfrm>
-            <a:off x="0" y="5039700"/>
+            <a:off x="3856075" y="4835275"/>
             <a:ext cx="5148900" cy="1818300"/>
           </a:xfrm>
           <a:prstGeom prst="rect">
@@ -12149,7 +12149,7 @@
         <p:spPr>
           <a:xfrm>
             <a:off x="2700900" y="3766300"/>
-            <a:ext cx="9491100" cy="1477500"/>
+            <a:ext cx="9491100" cy="615600"/>
           </a:xfrm>
           <a:prstGeom prst="rect">
             <a:avLst/>
@@ -12175,48 +12175,7 @@
               <a:buNone/>
             </a:pPr>
             <a:r>
-              <a:rPr b="1" lang="en-US" sz="2800">
-                <a:solidFill>
-                  <a:schemeClr val="lt1"/>
-                </a:solidFill>
-                <a:latin typeface="Helvetica Neue"/>
-                <a:ea typeface="Helvetica Neue"/>
-                <a:cs typeface="Helvetica Neue"/>
-                <a:sym typeface="Helvetica Neue"/>
-              </a:rPr>
-              <a:t>Identify abnormal driving behavior using spatio-temporal analysis </a:t>
-            </a:r>
-            <a:endParaRPr b="1" sz="2800">
-              <a:solidFill>
-                <a:schemeClr val="lt1"/>
-              </a:solidFill>
-              <a:latin typeface="Helvetica Neue"/>
-              <a:ea typeface="Helvetica Neue"/>
-              <a:cs typeface="Helvetica Neue"/>
-              <a:sym typeface="Helvetica Neue"/>
-            </a:endParaRPr>
-          </a:p>
-          <a:p>
-            <a:pPr indent="0" lvl="0" marL="0" rtl="0" algn="r">
-              <a:spcBef>
-                <a:spcPts val="0"/>
-              </a:spcBef>
-              <a:spcAft>
-                <a:spcPts val="0"/>
-              </a:spcAft>
-              <a:buNone/>
-            </a:pPr>
-            <a:r>
-              <a:rPr b="1" lang="en-US" sz="2800">
-                <a:solidFill>
-                  <a:schemeClr val="lt1"/>
-                </a:solidFill>
-                <a:latin typeface="Helvetica Neue"/>
-                <a:ea typeface="Helvetica Neue"/>
-                <a:cs typeface="Helvetica Neue"/>
-                <a:sym typeface="Helvetica Neue"/>
-              </a:rPr>
-              <a:t>[UAV videos]</a:t>
+              <a:t/>
             </a:r>
             <a:endParaRPr b="1" sz="2800">
               <a:solidFill>
@@ -12255,7 +12214,7 @@
           </a:bodyPr>
           <a:lstStyle/>
           <a:p>
-            <a:pPr indent="0" lvl="0" marL="0" rtl="0" algn="l">
+            <a:pPr indent="0" lvl="0" marL="0" rtl="0" algn="ctr">
               <a:spcBef>
                 <a:spcPts val="0"/>
               </a:spcBef>
@@ -12520,34 +12479,50 @@
           </a:bodyPr>
           <a:lstStyle/>
           <a:p>
-            <a:pPr indent="-342900" lvl="0" marL="457200" rtl="0" algn="l">
-              <a:lnSpc>
-                <a:spcPct val="115000"/>
-              </a:lnSpc>
-              <a:spcBef>
-                <a:spcPts val="1000"/>
-              </a:spcBef>
-              <a:spcAft>
-                <a:spcPts val="0"/>
-              </a:spcAft>
-              <a:buClr>
-                <a:schemeClr val="dk1"/>
-              </a:buClr>
-              <a:buSzPts val="1800"/>
-              <a:buChar char="●"/>
+            <a:pPr indent="0" lvl="0" marL="0" rtl="0" algn="l">
+              <a:lnSpc>
+                <a:spcPct val="100000"/>
+              </a:lnSpc>
+              <a:spcBef>
+                <a:spcPts val="0"/>
+              </a:spcBef>
+              <a:spcAft>
+                <a:spcPts val="0"/>
+              </a:spcAft>
+              <a:buNone/>
             </a:pPr>
             <a:r>
               <a:rPr b="1" lang="en-US" sz="1800">
                 <a:solidFill>
                   <a:schemeClr val="dk1"/>
                 </a:solidFill>
+                <a:latin typeface="Helvetica Neue"/>
+                <a:ea typeface="Helvetica Neue"/>
+                <a:cs typeface="Helvetica Neue"/>
+                <a:sym typeface="Helvetica Neue"/>
               </a:rPr>
-              <a:t>There is an assumption that drivers behave similarly in the same patch of road, but it is not necessary that all drivers follow similar behavior. </a:t>
+              <a:t>        “</a:t>
+            </a:r>
+            <a:r>
+              <a:rPr b="1" lang="en-US" sz="1800">
+                <a:solidFill>
+                  <a:schemeClr val="dk1"/>
+                </a:solidFill>
+                <a:latin typeface="Helvetica Neue"/>
+                <a:ea typeface="Helvetica Neue"/>
+                <a:cs typeface="Helvetica Neue"/>
+                <a:sym typeface="Helvetica Neue"/>
+              </a:rPr>
+              <a:t>Identify abnormal driving behavior using spatio-temporal analysis from UAV videos”</a:t>
             </a:r>
             <a:endParaRPr b="1" sz="1800">
               <a:solidFill>
                 <a:schemeClr val="dk1"/>
               </a:solidFill>
+              <a:latin typeface="Helvetica Neue"/>
+              <a:ea typeface="Helvetica Neue"/>
+              <a:cs typeface="Helvetica Neue"/>
+              <a:sym typeface="Helvetica Neue"/>
             </a:endParaRPr>
           </a:p>
           <a:p>
@@ -12595,7 +12570,60 @@
                   <a:schemeClr val="dk1"/>
                 </a:solidFill>
               </a:rPr>
-              <a:t>In this project, students will identify abnormal driving behavior. You can use trajectories dataset and then develop a binary classifier which classifies a given trajectory into a “normal” or “abnormal” behavior based on spatial and temporal features.</a:t>
+              <a:t>There is an assumption that drivers behave similarly in the same patch of road, but it is not necessary that all drivers follow similar behavior. </a:t>
+            </a:r>
+            <a:endParaRPr b="1" sz="1800">
+              <a:solidFill>
+                <a:schemeClr val="dk1"/>
+              </a:solidFill>
+            </a:endParaRPr>
+          </a:p>
+          <a:p>
+            <a:pPr indent="0" lvl="0" marL="457200" rtl="0" algn="l">
+              <a:lnSpc>
+                <a:spcPct val="115000"/>
+              </a:lnSpc>
+              <a:spcBef>
+                <a:spcPts val="1000"/>
+              </a:spcBef>
+              <a:spcAft>
+                <a:spcPts val="0"/>
+              </a:spcAft>
+              <a:buNone/>
+            </a:pPr>
+            <a:r>
+              <a:t/>
+            </a:r>
+            <a:endParaRPr b="1" sz="1800">
+              <a:solidFill>
+                <a:schemeClr val="dk1"/>
+              </a:solidFill>
+            </a:endParaRPr>
+          </a:p>
+          <a:p>
+            <a:pPr indent="-342900" lvl="0" marL="457200" rtl="0" algn="l">
+              <a:lnSpc>
+                <a:spcPct val="115000"/>
+              </a:lnSpc>
+              <a:spcBef>
+                <a:spcPts val="1000"/>
+              </a:spcBef>
+              <a:spcAft>
+                <a:spcPts val="0"/>
+              </a:spcAft>
+              <a:buClr>
+                <a:schemeClr val="dk1"/>
+              </a:buClr>
+              <a:buSzPts val="1800"/>
+              <a:buChar char="●"/>
+            </a:pPr>
+            <a:r>
+              <a:rPr b="1" lang="en-US" sz="1800">
+                <a:solidFill>
+                  <a:schemeClr val="dk1"/>
+                </a:solidFill>
+              </a:rPr>
+              <a:t>In this project, we identified abnormal driving behavior. We are using trajectories dataset and then develop a binary classifier which classifies a given trajectory into a “normal” or “abnormal” behavior based on spatial feature.</a:t>
             </a:r>
             <a:endParaRPr b="1" sz="1800">
               <a:solidFill>
@@ -12793,7 +12821,7 @@
             <a:tbl>
               <a:tblPr>
                 <a:noFill/>
-                <a:tableStyleId>{4F054D41-815A-4E47-AEA2-10C03032C5F1}</a:tableStyleId>
+                <a:tableStyleId>{C061EB2D-27EC-4579-886C-9224FE83794A}</a:tableStyleId>
               </a:tblPr>
               <a:tblGrid>
                 <a:gridCol w="3639750"/>
@@ -13111,7 +13139,7 @@
                             <a:schemeClr val="dk1"/>
                           </a:solidFill>
                         </a:rPr>
-                        <a:t>Vision-based investigation of road traffic and violations at urban roundabout in India using UAV video</a:t>
+                        <a:t>Vision-based investigation of road traffic and violations at urban roundabout in India using UAV video[1]</a:t>
                       </a:r>
                       <a:endParaRPr sz="1350">
                         <a:solidFill>
@@ -13397,7 +13425,7 @@
                             <a:schemeClr val="dk1"/>
                           </a:solidFill>
                         </a:rPr>
-                        <a:t>Driver Profile and Driving Pattern Recognition for Road Safety Assessment</a:t>
+                        <a:t>Driver Profile and Driving Pattern Recognition for Road Safety Assessment[2]</a:t>
                       </a:r>
                       <a:endParaRPr sz="1350">
                         <a:solidFill>
@@ -13683,7 +13711,7 @@
                             <a:schemeClr val="dk1"/>
                           </a:solidFill>
                         </a:rPr>
-                        <a:t>Driving Style Classification using Deep Temporal Clustering with Enhanced Explainability</a:t>
+                        <a:t>Driving Style Classification using Deep Temporal Clustering with Enhanced Explainability[3]</a:t>
                       </a:r>
                       <a:endParaRPr sz="1350">
                         <a:solidFill>
@@ -13969,7 +13997,7 @@
                             <a:schemeClr val="dk1"/>
                           </a:solidFill>
                         </a:rPr>
-                        <a:t>Traffic Pattern Modeling, Trajectory Classification and Vehicle Tracking within Urban Intersections</a:t>
+                        <a:t>Traffic Pattern Modeling, Trajectory Classification and Vehicle Tracking within Urban Intersections[4]</a:t>
                       </a:r>
                       <a:endParaRPr sz="1350">
                         <a:solidFill>
@@ -14255,7 +14283,7 @@
                             <a:schemeClr val="dk1"/>
                           </a:solidFill>
                         </a:rPr>
-                        <a:t>Trajectory Data Classification: A Review</a:t>
+                        <a:t>Trajectory Data Classification: A Review[5]</a:t>
                       </a:r>
                       <a:endParaRPr sz="1350">
                         <a:solidFill>
@@ -15815,8 +15843,8 @@
         </p:nvSpPr>
         <p:spPr>
           <a:xfrm>
-            <a:off x="838200" y="997200"/>
-            <a:ext cx="10616700" cy="5287500"/>
+            <a:off x="838200" y="1099428"/>
+            <a:ext cx="10515600" cy="5287500"/>
           </a:xfrm>
           <a:prstGeom prst="rect">
             <a:avLst/>
@@ -15832,7 +15860,7 @@
           </a:bodyPr>
           <a:lstStyle/>
           <a:p>
-            <a:pPr indent="-342900" lvl="0" marL="457200" rtl="0" algn="l">
+            <a:pPr indent="-342900" lvl="1" marL="914400" rtl="0" algn="l">
               <a:lnSpc>
                 <a:spcPct val="150000"/>
               </a:lnSpc>
@@ -15847,7 +15875,7 @@
               </a:buClr>
               <a:buSzPts val="1800"/>
               <a:buFont typeface="Helvetica Neue"/>
-              <a:buChar char="●"/>
+              <a:buChar char="○"/>
             </a:pPr>
             <a:r>
               <a:rPr lang="en-US" sz="1800">
@@ -15859,9 +15887,61 @@
                 <a:cs typeface="Helvetica Neue"/>
                 <a:sym typeface="Helvetica Neue"/>
               </a:rPr>
-              <a:t>Feature Extraction</a:t>
+              <a:t>Tra</a:t>
+            </a:r>
+            <a:r>
+              <a:rPr lang="en-US" sz="1800">
+                <a:solidFill>
+                  <a:schemeClr val="dk1"/>
+                </a:solidFill>
+                <a:latin typeface="Helvetica Neue"/>
+                <a:ea typeface="Helvetica Neue"/>
+                <a:cs typeface="Helvetica Neue"/>
+                <a:sym typeface="Helvetica Neue"/>
+              </a:rPr>
+              <a:t>jectory Preprocessing</a:t>
             </a:r>
             <a:endParaRPr sz="1800">
+              <a:solidFill>
+                <a:schemeClr val="dk1"/>
+              </a:solidFill>
+              <a:latin typeface="Helvetica Neue"/>
+              <a:ea typeface="Helvetica Neue"/>
+              <a:cs typeface="Helvetica Neue"/>
+              <a:sym typeface="Helvetica Neue"/>
+            </a:endParaRPr>
+          </a:p>
+          <a:p>
+            <a:pPr indent="-342900" lvl="2" marL="1371600" rtl="0" algn="l">
+              <a:lnSpc>
+                <a:spcPct val="150000"/>
+              </a:lnSpc>
+              <a:spcBef>
+                <a:spcPts val="0"/>
+              </a:spcBef>
+              <a:spcAft>
+                <a:spcPts val="0"/>
+              </a:spcAft>
+              <a:buClr>
+                <a:schemeClr val="dk1"/>
+              </a:buClr>
+              <a:buSzPts val="1800"/>
+              <a:buFont typeface="Arial"/>
+              <a:buChar char="■"/>
+            </a:pPr>
+            <a:r>
+              <a:rPr lang="en-US">
+                <a:solidFill>
+                  <a:schemeClr val="dk1"/>
+                </a:solidFill>
+                <a:latin typeface="Helvetica Neue"/>
+                <a:ea typeface="Helvetica Neue"/>
+                <a:cs typeface="Helvetica Neue"/>
+                <a:sym typeface="Helvetica Neue"/>
+              </a:rPr>
+              <a:t>Convert raw CSV data into a list of points using df_to_points, calculating the center of each vehicle’s bounding box (x_center = left + w/2, y_center = top + h/2).</a:t>
+            </a:r>
+            <a:endParaRPr>
               <a:solidFill>
                 <a:schemeClr val="dk1"/>
               </a:solidFill>
@@ -15899,7 +15979,7 @@
                 <a:cs typeface="Helvetica Neue"/>
                 <a:sym typeface="Helvetica Neue"/>
               </a:rPr>
-              <a:t>Derive features like central_island_violation (ratio of points in zone 16)</a:t>
+              <a:t>Zone and Lane Assignment</a:t>
             </a:r>
             <a:endParaRPr sz="1800">
               <a:solidFill>
@@ -15912,7 +15992,7 @@
             </a:endParaRPr>
           </a:p>
           <a:p>
-            <a:pPr indent="-342900" lvl="1" marL="914400" rtl="0" algn="l">
+            <a:pPr indent="-342900" lvl="2" marL="1371600" rtl="0" algn="l">
               <a:lnSpc>
                 <a:spcPct val="150000"/>
               </a:lnSpc>
@@ -15926,11 +16006,11 @@
                 <a:schemeClr val="dk1"/>
               </a:buClr>
               <a:buSzPts val="1800"/>
-              <a:buFont typeface="Helvetica Neue"/>
-              <a:buChar char="○"/>
+              <a:buFont typeface="Arial"/>
+              <a:buChar char="■"/>
             </a:pPr>
             <a:r>
-              <a:rPr lang="en-US" sz="1800">
+              <a:rPr lang="en-US">
                 <a:solidFill>
                   <a:schemeClr val="dk1"/>
                 </a:solidFill>
@@ -15939,38 +16019,10 @@
                 <a:cs typeface="Helvetica Neue"/>
                 <a:sym typeface="Helvetica Neue"/>
               </a:rPr>
-              <a:t> forbidden_transitions (count of invalid zone transitions)</a:t>
+              <a:t>Assign zones and lanes to each point using assign_zone_and_lane, based on distance and angle from the center, defining 36 zones including the central island (zone </a:t>
             </a:r>
-            <a:endParaRPr sz="1800">
-              <a:solidFill>
-                <a:schemeClr val="dk1"/>
-              </a:solidFill>
-              <a:latin typeface="Helvetica Neue"/>
-              <a:ea typeface="Helvetica Neue"/>
-              <a:cs typeface="Helvetica Neue"/>
-              <a:sym typeface="Helvetica Neue"/>
-            </a:endParaRPr>
-          </a:p>
-          <a:p>
-            <a:pPr indent="-342900" lvl="1" marL="914400" rtl="0" algn="l">
-              <a:lnSpc>
-                <a:spcPct val="150000"/>
-              </a:lnSpc>
-              <a:spcBef>
-                <a:spcPts val="0"/>
-              </a:spcBef>
-              <a:spcAft>
-                <a:spcPts val="0"/>
-              </a:spcAft>
-              <a:buClr>
-                <a:schemeClr val="dk1"/>
-              </a:buClr>
-              <a:buSzPts val="1800"/>
-              <a:buFont typeface="Helvetica Neue"/>
-              <a:buChar char="○"/>
-            </a:pPr>
             <a:r>
-              <a:rPr lang="en-US" sz="1800">
+              <a:rPr lang="en-US">
                 <a:solidFill>
                   <a:schemeClr val="dk1"/>
                 </a:solidFill>
@@ -15979,38 +16031,10 @@
                 <a:cs typeface="Helvetica Neue"/>
                 <a:sym typeface="Helvetica Neue"/>
               </a:rPr>
-              <a:t> wrong_way_movement (score of counterclockwise violations)</a:t>
+              <a:t>1</a:t>
             </a:r>
-            <a:endParaRPr sz="1800">
-              <a:solidFill>
-                <a:schemeClr val="dk1"/>
-              </a:solidFill>
-              <a:latin typeface="Helvetica Neue"/>
-              <a:ea typeface="Helvetica Neue"/>
-              <a:cs typeface="Helvetica Neue"/>
-              <a:sym typeface="Helvetica Neue"/>
-            </a:endParaRPr>
-          </a:p>
-          <a:p>
-            <a:pPr indent="-342900" lvl="1" marL="914400" rtl="0" algn="l">
-              <a:lnSpc>
-                <a:spcPct val="150000"/>
-              </a:lnSpc>
-              <a:spcBef>
-                <a:spcPts val="0"/>
-              </a:spcBef>
-              <a:spcAft>
-                <a:spcPts val="0"/>
-              </a:spcAft>
-              <a:buClr>
-                <a:schemeClr val="dk1"/>
-              </a:buClr>
-              <a:buSzPts val="1800"/>
-              <a:buFont typeface="Helvetica Neue"/>
-              <a:buChar char="○"/>
-            </a:pPr>
             <a:r>
-              <a:rPr lang="en-US" sz="1800">
+              <a:rPr lang="en-US">
                 <a:solidFill>
                   <a:schemeClr val="dk1"/>
                 </a:solidFill>
@@ -16019,249 +16043,9 @@
                 <a:cs typeface="Helvetica Neue"/>
                 <a:sym typeface="Helvetica Neue"/>
               </a:rPr>
-              <a:t>u_turn_violation (pattern matching for U-turns)</a:t>
+              <a:t>6).</a:t>
             </a:r>
-            <a:endParaRPr sz="1800">
-              <a:solidFill>
-                <a:schemeClr val="dk1"/>
-              </a:solidFill>
-              <a:latin typeface="Helvetica Neue"/>
-              <a:ea typeface="Helvetica Neue"/>
-              <a:cs typeface="Helvetica Neue"/>
-              <a:sym typeface="Helvetica Neue"/>
-            </a:endParaRPr>
-          </a:p>
-          <a:p>
-            <a:pPr indent="-342900" lvl="1" marL="914400" rtl="0" algn="l">
-              <a:lnSpc>
-                <a:spcPct val="150000"/>
-              </a:lnSpc>
-              <a:spcBef>
-                <a:spcPts val="0"/>
-              </a:spcBef>
-              <a:spcAft>
-                <a:spcPts val="0"/>
-              </a:spcAft>
-              <a:buClr>
-                <a:schemeClr val="dk1"/>
-              </a:buClr>
-              <a:buSzPts val="1800"/>
-              <a:buFont typeface="Helvetica Neue"/>
-              <a:buChar char="○"/>
-            </a:pPr>
-            <a:r>
-              <a:rPr lang="en-US" sz="1800">
-                <a:solidFill>
-                  <a:schemeClr val="dk1"/>
-                </a:solidFill>
-                <a:latin typeface="Helvetica Neue"/>
-                <a:ea typeface="Helvetica Neue"/>
-                <a:cs typeface="Helvetica Neue"/>
-                <a:sym typeface="Helvetica Neue"/>
-              </a:rPr>
-              <a:t>curvature_adherence (angle consistency)</a:t>
-            </a:r>
-            <a:endParaRPr sz="1800">
-              <a:solidFill>
-                <a:schemeClr val="dk1"/>
-              </a:solidFill>
-              <a:latin typeface="Helvetica Neue"/>
-              <a:ea typeface="Helvetica Neue"/>
-              <a:cs typeface="Helvetica Neue"/>
-              <a:sym typeface="Helvetica Neue"/>
-            </a:endParaRPr>
-          </a:p>
-          <a:p>
-            <a:pPr indent="-342900" lvl="1" marL="914400" rtl="0" algn="l">
-              <a:lnSpc>
-                <a:spcPct val="150000"/>
-              </a:lnSpc>
-              <a:spcBef>
-                <a:spcPts val="0"/>
-              </a:spcBef>
-              <a:spcAft>
-                <a:spcPts val="0"/>
-              </a:spcAft>
-              <a:buClr>
-                <a:schemeClr val="dk1"/>
-              </a:buClr>
-              <a:buSzPts val="1800"/>
-              <a:buFont typeface="Helvetica Neue"/>
-              <a:buChar char="○"/>
-            </a:pPr>
-            <a:r>
-              <a:rPr lang="en-US" sz="1800">
-                <a:solidFill>
-                  <a:schemeClr val="dk1"/>
-                </a:solidFill>
-                <a:latin typeface="Helvetica Neue"/>
-                <a:ea typeface="Helvetica Neue"/>
-                <a:cs typeface="Helvetica Neue"/>
-                <a:sym typeface="Helvetica Neue"/>
-              </a:rPr>
-              <a:t> circulation_completion (total angle change)</a:t>
-            </a:r>
-            <a:endParaRPr sz="1800">
-              <a:solidFill>
-                <a:schemeClr val="dk1"/>
-              </a:solidFill>
-              <a:latin typeface="Helvetica Neue"/>
-              <a:ea typeface="Helvetica Neue"/>
-              <a:cs typeface="Helvetica Neue"/>
-              <a:sym typeface="Helvetica Neue"/>
-            </a:endParaRPr>
-          </a:p>
-          <a:p>
-            <a:pPr indent="-342900" lvl="1" marL="914400" rtl="0" algn="l">
-              <a:lnSpc>
-                <a:spcPct val="150000"/>
-              </a:lnSpc>
-              <a:spcBef>
-                <a:spcPts val="0"/>
-              </a:spcBef>
-              <a:spcAft>
-                <a:spcPts val="0"/>
-              </a:spcAft>
-              <a:buClr>
-                <a:schemeClr val="dk1"/>
-              </a:buClr>
-              <a:buSzPts val="1800"/>
-              <a:buFont typeface="Helvetica Neue"/>
-              <a:buChar char="○"/>
-            </a:pPr>
-            <a:r>
-              <a:rPr lang="en-US" sz="1800">
-                <a:solidFill>
-                  <a:schemeClr val="dk1"/>
-                </a:solidFill>
-                <a:latin typeface="Helvetica Neue"/>
-                <a:ea typeface="Helvetica Neue"/>
-                <a:cs typeface="Helvetica Neue"/>
-                <a:sym typeface="Helvetica Neue"/>
-              </a:rPr>
-              <a:t> path_efficiency (straight-line to total distance ratio)</a:t>
-            </a:r>
-            <a:endParaRPr sz="1800">
-              <a:solidFill>
-                <a:schemeClr val="dk1"/>
-              </a:solidFill>
-              <a:latin typeface="Helvetica Neue"/>
-              <a:ea typeface="Helvetica Neue"/>
-              <a:cs typeface="Helvetica Neue"/>
-              <a:sym typeface="Helvetica Neue"/>
-            </a:endParaRPr>
-          </a:p>
-          <a:p>
-            <a:pPr indent="-342900" lvl="1" marL="914400" rtl="0" algn="l">
-              <a:lnSpc>
-                <a:spcPct val="150000"/>
-              </a:lnSpc>
-              <a:spcBef>
-                <a:spcPts val="0"/>
-              </a:spcBef>
-              <a:spcAft>
-                <a:spcPts val="0"/>
-              </a:spcAft>
-              <a:buClr>
-                <a:schemeClr val="dk1"/>
-              </a:buClr>
-              <a:buSzPts val="1800"/>
-              <a:buFont typeface="Helvetica Neue"/>
-              <a:buChar char="○"/>
-            </a:pPr>
-            <a:r>
-              <a:rPr lang="en-US" sz="1800">
-                <a:solidFill>
-                  <a:schemeClr val="dk1"/>
-                </a:solidFill>
-                <a:latin typeface="Helvetica Neue"/>
-                <a:ea typeface="Helvetica Neue"/>
-                <a:cs typeface="Helvetica Neue"/>
-                <a:sym typeface="Helvetica Neue"/>
-              </a:rPr>
-              <a:t> and directional_variance (variation in movement direction).</a:t>
-            </a:r>
-            <a:endParaRPr sz="1800">
-              <a:solidFill>
-                <a:schemeClr val="dk1"/>
-              </a:solidFill>
-              <a:latin typeface="Helvetica Neue"/>
-              <a:ea typeface="Helvetica Neue"/>
-              <a:cs typeface="Helvetica Neue"/>
-              <a:sym typeface="Helvetica Neue"/>
-            </a:endParaRPr>
-          </a:p>
-          <a:p>
-            <a:pPr indent="-342900" lvl="0" marL="457200" rtl="0" algn="l">
-              <a:lnSpc>
-                <a:spcPct val="150000"/>
-              </a:lnSpc>
-              <a:spcBef>
-                <a:spcPts val="0"/>
-              </a:spcBef>
-              <a:spcAft>
-                <a:spcPts val="0"/>
-              </a:spcAft>
-              <a:buClr>
-                <a:schemeClr val="dk1"/>
-              </a:buClr>
-              <a:buSzPts val="1800"/>
-              <a:buFont typeface="Helvetica Neue"/>
-              <a:buChar char="●"/>
-            </a:pPr>
-            <a:r>
-              <a:rPr lang="en-US" sz="1800">
-                <a:solidFill>
-                  <a:schemeClr val="dk1"/>
-                </a:solidFill>
-                <a:latin typeface="Helvetica Neue"/>
-                <a:ea typeface="Helvetica Neue"/>
-                <a:cs typeface="Helvetica Neue"/>
-                <a:sym typeface="Helvetica Neue"/>
-              </a:rPr>
-              <a:t>Refine Feature Derivation:</a:t>
-            </a:r>
-            <a:endParaRPr sz="1800">
-              <a:solidFill>
-                <a:schemeClr val="dk1"/>
-              </a:solidFill>
-              <a:latin typeface="Helvetica Neue"/>
-              <a:ea typeface="Helvetica Neue"/>
-              <a:cs typeface="Helvetica Neue"/>
-              <a:sym typeface="Helvetica Neue"/>
-            </a:endParaRPr>
-          </a:p>
-          <a:p>
-            <a:pPr indent="-342900" lvl="1" marL="914400" rtl="0" algn="l">
-              <a:lnSpc>
-                <a:spcPct val="150000"/>
-              </a:lnSpc>
-              <a:spcBef>
-                <a:spcPts val="0"/>
-              </a:spcBef>
-              <a:spcAft>
-                <a:spcPts val="0"/>
-              </a:spcAft>
-              <a:buClr>
-                <a:schemeClr val="dk1"/>
-              </a:buClr>
-              <a:buSzPts val="1800"/>
-              <a:buFont typeface="Arial"/>
-              <a:buChar char="○"/>
-            </a:pPr>
-            <a:r>
-              <a:rPr lang="en-US" sz="1800">
-                <a:solidFill>
-                  <a:schemeClr val="dk1"/>
-                </a:solidFill>
-                <a:latin typeface="Helvetica Neue"/>
-                <a:ea typeface="Helvetica Neue"/>
-                <a:cs typeface="Helvetica Neue"/>
-                <a:sym typeface="Helvetica Neue"/>
-              </a:rPr>
-              <a:t>Adjust zone thresholds (e.g., central island to 0.3 * radius) and add features like lane_indiscipline to capture lane misuse.</a:t>
-            </a:r>
-            <a:endParaRPr sz="1800">
+            <a:endParaRPr>
               <a:solidFill>
                 <a:schemeClr val="dk1"/>
               </a:solidFill>
@@ -16276,6 +16060,58 @@
       <p:sp>
         <p:nvSpPr>
           <p:cNvPr id="132" name="Google Shape;132;p18"/>
+          <p:cNvSpPr txBox="1"/>
+          <p:nvPr>
+            <p:ph type="title"/>
+          </p:nvPr>
+        </p:nvSpPr>
+        <p:spPr>
+          <a:xfrm>
+            <a:off x="2601900" y="366600"/>
+            <a:ext cx="6988200" cy="630600"/>
+          </a:xfrm>
+          <a:prstGeom prst="rect">
+            <a:avLst/>
+          </a:prstGeom>
+          <a:noFill/>
+          <a:ln>
+            <a:noFill/>
+          </a:ln>
+        </p:spPr>
+        <p:txBody>
+          <a:bodyPr anchorCtr="0" anchor="b" bIns="45700" lIns="91425" spcFirstLastPara="1" rIns="91425" wrap="square" tIns="45700">
+            <a:noAutofit/>
+          </a:bodyPr>
+          <a:lstStyle/>
+          <a:p>
+            <a:pPr indent="0" lvl="0" marL="0" rtl="0" algn="l">
+              <a:lnSpc>
+                <a:spcPct val="90000"/>
+              </a:lnSpc>
+              <a:spcBef>
+                <a:spcPts val="0"/>
+              </a:spcBef>
+              <a:spcAft>
+                <a:spcPts val="0"/>
+              </a:spcAft>
+              <a:buClr>
+                <a:schemeClr val="dk2"/>
+              </a:buClr>
+              <a:buSzPts val="4860"/>
+              <a:buFont typeface="Helvetica Neue"/>
+              <a:buNone/>
+            </a:pPr>
+            <a:r>
+              <a:rPr lang="en-US" sz="3300"/>
+              <a:t>Our Approach &amp; Features (1/2)</a:t>
+            </a:r>
+            <a:endParaRPr sz="3300"/>
+          </a:p>
+        </p:txBody>
+      </p:sp>
+      <p:sp>
+        <p:nvSpPr>
+          <p:cNvPr id="133" name="Google Shape;133;p18"/>
           <p:cNvSpPr txBox="1"/>
           <p:nvPr>
             <p:ph idx="12" type="sldNum"/>
@@ -16327,7 +16163,7 @@
       </p:sp>
       <p:sp>
         <p:nvSpPr>
-          <p:cNvPr id="133" name="Google Shape;133;p18"/>
+          <p:cNvPr id="134" name="Google Shape;134;p18"/>
           <p:cNvSpPr txBox="1"/>
           <p:nvPr>
             <p:ph idx="10" type="dt"/>
@@ -16366,70 +16202,6 @@
               <a:t>18/03/2025</a:t>
             </a:r>
             <a:endParaRPr/>
-          </a:p>
-        </p:txBody>
-      </p:sp>
-      <p:sp>
-        <p:nvSpPr>
-          <p:cNvPr id="134" name="Google Shape;134;p18"/>
-          <p:cNvSpPr txBox="1"/>
-          <p:nvPr>
-            <p:ph type="title"/>
-          </p:nvPr>
-        </p:nvSpPr>
-        <p:spPr>
-          <a:xfrm>
-            <a:off x="2601900" y="366600"/>
-            <a:ext cx="6988200" cy="630600"/>
-          </a:xfrm>
-          <a:prstGeom prst="rect">
-            <a:avLst/>
-          </a:prstGeom>
-          <a:noFill/>
-          <a:ln>
-            <a:noFill/>
-          </a:ln>
-        </p:spPr>
-        <p:txBody>
-          <a:bodyPr anchorCtr="0" anchor="b" bIns="45700" lIns="91425" spcFirstLastPara="1" rIns="91425" wrap="square" tIns="45700">
-            <a:noAutofit/>
-          </a:bodyPr>
-          <a:lstStyle/>
-          <a:p>
-            <a:pPr indent="0" lvl="0" marL="0" rtl="0" algn="l">
-              <a:lnSpc>
-                <a:spcPct val="90000"/>
-              </a:lnSpc>
-              <a:spcBef>
-                <a:spcPts val="0"/>
-              </a:spcBef>
-              <a:spcAft>
-                <a:spcPts val="0"/>
-              </a:spcAft>
-              <a:buClr>
-                <a:schemeClr val="dk2"/>
-              </a:buClr>
-              <a:buSzPts val="4860"/>
-              <a:buFont typeface="Helvetica Neue"/>
-              <a:buNone/>
-            </a:pPr>
-            <a:r>
-              <a:rPr lang="en-US" sz="3300"/>
-              <a:t>Our</a:t>
-            </a:r>
-            <a:r>
-              <a:rPr lang="en-US" sz="3300"/>
-              <a:t> Approach &amp; Features (</a:t>
-            </a:r>
-            <a:r>
-              <a:rPr lang="en-US" sz="3300"/>
-              <a:t>1/2</a:t>
-            </a:r>
-            <a:r>
-              <a:rPr lang="en-US" sz="3300"/>
-              <a:t>)</a:t>
-            </a:r>
-            <a:endParaRPr sz="3300"/>
           </a:p>
         </p:txBody>
       </p:sp>
@@ -16468,8 +16240,8 @@
         </p:nvSpPr>
         <p:spPr>
           <a:xfrm>
-            <a:off x="838200" y="1099428"/>
-            <a:ext cx="10515600" cy="5287500"/>
+            <a:off x="838200" y="997200"/>
+            <a:ext cx="10616700" cy="5287500"/>
           </a:xfrm>
           <a:prstGeom prst="rect">
             <a:avLst/>
@@ -16485,7 +16257,7 @@
           </a:bodyPr>
           <a:lstStyle/>
           <a:p>
-            <a:pPr indent="-342900" lvl="1" marL="914400" rtl="0" algn="l">
+            <a:pPr indent="-342900" lvl="0" marL="457200" rtl="0" algn="l">
               <a:lnSpc>
                 <a:spcPct val="150000"/>
               </a:lnSpc>
@@ -16500,7 +16272,7 @@
               </a:buClr>
               <a:buSzPts val="1800"/>
               <a:buFont typeface="Helvetica Neue"/>
-              <a:buChar char="○"/>
+              <a:buChar char="●"/>
             </a:pPr>
             <a:r>
               <a:rPr lang="en-US" sz="1800">
@@ -16512,61 +16284,9 @@
                 <a:cs typeface="Helvetica Neue"/>
                 <a:sym typeface="Helvetica Neue"/>
               </a:rPr>
-              <a:t>Tra</a:t>
+              <a:t>Feature Extraction</a:t>
             </a:r>
-            <a:r>
-              <a:rPr lang="en-US" sz="1800">
-                <a:solidFill>
-                  <a:schemeClr val="dk1"/>
-                </a:solidFill>
-                <a:latin typeface="Helvetica Neue"/>
-                <a:ea typeface="Helvetica Neue"/>
-                <a:cs typeface="Helvetica Neue"/>
-                <a:sym typeface="Helvetica Neue"/>
-              </a:rPr>
-              <a:t>jectory Preprocessing</a:t>
-            </a:r>
-            <a:endParaRPr sz="1700">
-              <a:solidFill>
-                <a:schemeClr val="dk1"/>
-              </a:solidFill>
-              <a:latin typeface="Helvetica Neue"/>
-              <a:ea typeface="Helvetica Neue"/>
-              <a:cs typeface="Helvetica Neue"/>
-              <a:sym typeface="Helvetica Neue"/>
-            </a:endParaRPr>
-          </a:p>
-          <a:p>
-            <a:pPr indent="-342900" lvl="2" marL="1371600" rtl="0" algn="l">
-              <a:lnSpc>
-                <a:spcPct val="150000"/>
-              </a:lnSpc>
-              <a:spcBef>
-                <a:spcPts val="0"/>
-              </a:spcBef>
-              <a:spcAft>
-                <a:spcPts val="0"/>
-              </a:spcAft>
-              <a:buClr>
-                <a:schemeClr val="dk1"/>
-              </a:buClr>
-              <a:buSzPts val="1800"/>
-              <a:buFont typeface="Arial"/>
-              <a:buChar char="■"/>
-            </a:pPr>
-            <a:r>
-              <a:rPr lang="en-US">
-                <a:solidFill>
-                  <a:schemeClr val="dk1"/>
-                </a:solidFill>
-                <a:latin typeface="Helvetica Neue"/>
-                <a:ea typeface="Helvetica Neue"/>
-                <a:cs typeface="Helvetica Neue"/>
-                <a:sym typeface="Helvetica Neue"/>
-              </a:rPr>
-              <a:t>Convert raw CSV data into a list of points using df_to_points, calculating the center of each vehicle’s bounding box (x_center = left + w/2, y_center = top + h/2).</a:t>
-            </a:r>
-            <a:endParaRPr>
+            <a:endParaRPr sz="1800">
               <a:solidFill>
                 <a:schemeClr val="dk1"/>
               </a:solidFill>
@@ -16604,61 +16324,9 @@
                 <a:cs typeface="Helvetica Neue"/>
                 <a:sym typeface="Helvetica Neue"/>
               </a:rPr>
-              <a:t>Path Efficiency	</a:t>
+              <a:t>Derive features like central_island_violation (ratio of points in zone 16)</a:t>
             </a:r>
             <a:endParaRPr sz="1800">
-              <a:solidFill>
-                <a:schemeClr val="dk1"/>
-              </a:solidFill>
-              <a:latin typeface="Helvetica Neue"/>
-              <a:ea typeface="Helvetica Neue"/>
-              <a:cs typeface="Helvetica Neue"/>
-              <a:sym typeface="Helvetica Neue"/>
-            </a:endParaRPr>
-          </a:p>
-          <a:p>
-            <a:pPr indent="-342900" lvl="2" marL="1371600" rtl="0" algn="l">
-              <a:lnSpc>
-                <a:spcPct val="150000"/>
-              </a:lnSpc>
-              <a:spcBef>
-                <a:spcPts val="0"/>
-              </a:spcBef>
-              <a:spcAft>
-                <a:spcPts val="0"/>
-              </a:spcAft>
-              <a:buClr>
-                <a:schemeClr val="dk1"/>
-              </a:buClr>
-              <a:buSzPts val="1800"/>
-              <a:buFont typeface="Arial"/>
-              <a:buChar char="■"/>
-            </a:pPr>
-            <a:r>
-              <a:rPr lang="en-US">
-                <a:solidFill>
-                  <a:schemeClr val="dk1"/>
-                </a:solidFill>
-                <a:latin typeface="Helvetica Neue"/>
-                <a:ea typeface="Helvetica Neue"/>
-                <a:cs typeface="Helvetica Neue"/>
-                <a:sym typeface="Helvetica Neue"/>
-              </a:rPr>
-              <a:t>Based on the the types of path </a:t>
-            </a:r>
-            <a:r>
-              <a:rPr lang="en-US">
-                <a:solidFill>
-                  <a:schemeClr val="dk1"/>
-                </a:solidFill>
-                <a:latin typeface="Helvetica Neue"/>
-                <a:ea typeface="Helvetica Neue"/>
-                <a:cs typeface="Helvetica Neue"/>
-                <a:sym typeface="Helvetica Neue"/>
-              </a:rPr>
-              <a:t>which a vehicle can take, we can calculate the path efficiency for each type of path and classify based on it whether it is a normal or abnormal trajectory.</a:t>
-            </a:r>
-            <a:endParaRPr>
               <a:solidFill>
                 <a:schemeClr val="dk1"/>
               </a:solidFill>
@@ -16696,7 +16364,7 @@
                 <a:cs typeface="Helvetica Neue"/>
                 <a:sym typeface="Helvetica Neue"/>
               </a:rPr>
-              <a:t>Zone and Lane Assignment</a:t>
+              <a:t>forbidden_transitions (count of invalid zone transitions)</a:t>
             </a:r>
             <a:endParaRPr sz="1800">
               <a:solidFill>
@@ -16709,7 +16377,7 @@
             </a:endParaRPr>
           </a:p>
           <a:p>
-            <a:pPr indent="-342900" lvl="2" marL="1371600" rtl="0" algn="l">
+            <a:pPr indent="-342900" lvl="1" marL="914400" rtl="0" algn="l">
               <a:lnSpc>
                 <a:spcPct val="150000"/>
               </a:lnSpc>
@@ -16723,11 +16391,11 @@
                 <a:schemeClr val="dk1"/>
               </a:buClr>
               <a:buSzPts val="1800"/>
-              <a:buFont typeface="Arial"/>
-              <a:buChar char="■"/>
+              <a:buFont typeface="Helvetica Neue"/>
+              <a:buChar char="○"/>
             </a:pPr>
             <a:r>
-              <a:rPr lang="en-US">
+              <a:rPr lang="en-US" sz="1800">
                 <a:solidFill>
                   <a:schemeClr val="dk1"/>
                 </a:solidFill>
@@ -16736,10 +16404,38 @@
                 <a:cs typeface="Helvetica Neue"/>
                 <a:sym typeface="Helvetica Neue"/>
               </a:rPr>
-              <a:t>Assign zones, directions, and lanes to each point using assign_zone_and_lane, based on distance and angle from the center, defining 36 zones including the central island (zone </a:t>
+              <a:t>wrong_way_movement (score of counterclockwise violations)</a:t>
             </a:r>
+            <a:endParaRPr sz="1800">
+              <a:solidFill>
+                <a:schemeClr val="dk1"/>
+              </a:solidFill>
+              <a:latin typeface="Helvetica Neue"/>
+              <a:ea typeface="Helvetica Neue"/>
+              <a:cs typeface="Helvetica Neue"/>
+              <a:sym typeface="Helvetica Neue"/>
+            </a:endParaRPr>
+          </a:p>
+          <a:p>
+            <a:pPr indent="-342900" lvl="1" marL="914400" rtl="0" algn="l">
+              <a:lnSpc>
+                <a:spcPct val="150000"/>
+              </a:lnSpc>
+              <a:spcBef>
+                <a:spcPts val="0"/>
+              </a:spcBef>
+              <a:spcAft>
+                <a:spcPts val="0"/>
+              </a:spcAft>
+              <a:buClr>
+                <a:schemeClr val="dk1"/>
+              </a:buClr>
+              <a:buSzPts val="1800"/>
+              <a:buFont typeface="Helvetica Neue"/>
+              <a:buChar char="○"/>
+            </a:pPr>
             <a:r>
-              <a:rPr lang="en-US">
+              <a:rPr lang="en-US" sz="1800">
                 <a:solidFill>
                   <a:schemeClr val="dk1"/>
                 </a:solidFill>
@@ -16748,10 +16444,38 @@
                 <a:cs typeface="Helvetica Neue"/>
                 <a:sym typeface="Helvetica Neue"/>
               </a:rPr>
-              <a:t>1</a:t>
+              <a:t>u_turn_violation (pattern matching for U-turns)</a:t>
             </a:r>
+            <a:endParaRPr sz="1800">
+              <a:solidFill>
+                <a:schemeClr val="dk1"/>
+              </a:solidFill>
+              <a:latin typeface="Helvetica Neue"/>
+              <a:ea typeface="Helvetica Neue"/>
+              <a:cs typeface="Helvetica Neue"/>
+              <a:sym typeface="Helvetica Neue"/>
+            </a:endParaRPr>
+          </a:p>
+          <a:p>
+            <a:pPr indent="-342900" lvl="1" marL="914400" rtl="0" algn="l">
+              <a:lnSpc>
+                <a:spcPct val="150000"/>
+              </a:lnSpc>
+              <a:spcBef>
+                <a:spcPts val="0"/>
+              </a:spcBef>
+              <a:spcAft>
+                <a:spcPts val="0"/>
+              </a:spcAft>
+              <a:buClr>
+                <a:schemeClr val="dk1"/>
+              </a:buClr>
+              <a:buSzPts val="1800"/>
+              <a:buFont typeface="Helvetica Neue"/>
+              <a:buChar char="○"/>
+            </a:pPr>
             <a:r>
-              <a:rPr lang="en-US">
+              <a:rPr lang="en-US" sz="1800">
                 <a:solidFill>
                   <a:schemeClr val="dk1"/>
                 </a:solidFill>
@@ -16760,7 +16484,127 @@
                 <a:cs typeface="Helvetica Neue"/>
                 <a:sym typeface="Helvetica Neue"/>
               </a:rPr>
-              <a:t>6).</a:t>
+              <a:t>curvature_adherence (angle consistency)</a:t>
+            </a:r>
+            <a:endParaRPr sz="1800">
+              <a:solidFill>
+                <a:schemeClr val="dk1"/>
+              </a:solidFill>
+              <a:latin typeface="Helvetica Neue"/>
+              <a:ea typeface="Helvetica Neue"/>
+              <a:cs typeface="Helvetica Neue"/>
+              <a:sym typeface="Helvetica Neue"/>
+            </a:endParaRPr>
+          </a:p>
+          <a:p>
+            <a:pPr indent="-342900" lvl="1" marL="914400" rtl="0" algn="l">
+              <a:lnSpc>
+                <a:spcPct val="150000"/>
+              </a:lnSpc>
+              <a:spcBef>
+                <a:spcPts val="0"/>
+              </a:spcBef>
+              <a:spcAft>
+                <a:spcPts val="0"/>
+              </a:spcAft>
+              <a:buClr>
+                <a:schemeClr val="dk1"/>
+              </a:buClr>
+              <a:buSzPts val="1800"/>
+              <a:buFont typeface="Helvetica Neue"/>
+              <a:buChar char="○"/>
+            </a:pPr>
+            <a:r>
+              <a:rPr lang="en-US" sz="1800">
+                <a:solidFill>
+                  <a:schemeClr val="dk1"/>
+                </a:solidFill>
+                <a:latin typeface="Helvetica Neue"/>
+                <a:ea typeface="Helvetica Neue"/>
+                <a:cs typeface="Helvetica Neue"/>
+                <a:sym typeface="Helvetica Neue"/>
+              </a:rPr>
+              <a:t>circulation_completion (total angle change)</a:t>
+            </a:r>
+            <a:endParaRPr sz="1800">
+              <a:solidFill>
+                <a:schemeClr val="dk1"/>
+              </a:solidFill>
+              <a:latin typeface="Helvetica Neue"/>
+              <a:ea typeface="Helvetica Neue"/>
+              <a:cs typeface="Helvetica Neue"/>
+              <a:sym typeface="Helvetica Neue"/>
+            </a:endParaRPr>
+          </a:p>
+          <a:p>
+            <a:pPr indent="-342900" lvl="1" marL="914400" rtl="0" algn="l">
+              <a:lnSpc>
+                <a:spcPct val="150000"/>
+              </a:lnSpc>
+              <a:spcBef>
+                <a:spcPts val="0"/>
+              </a:spcBef>
+              <a:spcAft>
+                <a:spcPts val="0"/>
+              </a:spcAft>
+              <a:buClr>
+                <a:schemeClr val="dk1"/>
+              </a:buClr>
+              <a:buSzPts val="1800"/>
+              <a:buFont typeface="Helvetica Neue"/>
+              <a:buChar char="○"/>
+            </a:pPr>
+            <a:r>
+              <a:rPr lang="en-US" sz="1800">
+                <a:solidFill>
+                  <a:schemeClr val="dk1"/>
+                </a:solidFill>
+                <a:latin typeface="Helvetica Neue"/>
+                <a:ea typeface="Helvetica Neue"/>
+                <a:cs typeface="Helvetica Neue"/>
+                <a:sym typeface="Helvetica Neue"/>
+              </a:rPr>
+              <a:t>path_efficiency (straight-line to total distance ratio)</a:t>
+            </a:r>
+            <a:endParaRPr sz="1800">
+              <a:solidFill>
+                <a:schemeClr val="dk1"/>
+              </a:solidFill>
+              <a:latin typeface="Helvetica Neue"/>
+              <a:ea typeface="Helvetica Neue"/>
+              <a:cs typeface="Helvetica Neue"/>
+              <a:sym typeface="Helvetica Neue"/>
+            </a:endParaRPr>
+          </a:p>
+          <a:p>
+            <a:pPr indent="-342900" lvl="1" marL="914400" rtl="0" algn="l">
+              <a:lnSpc>
+                <a:spcPct val="150000"/>
+              </a:lnSpc>
+              <a:spcBef>
+                <a:spcPts val="0"/>
+              </a:spcBef>
+              <a:spcAft>
+                <a:spcPts val="0"/>
+              </a:spcAft>
+              <a:buClr>
+                <a:schemeClr val="dk1"/>
+              </a:buClr>
+              <a:buSzPts val="1800"/>
+              <a:buFont typeface="Helvetica Neue"/>
+              <a:buChar char="○"/>
+            </a:pPr>
+            <a:r>
+              <a:rPr lang="en-US" sz="1800">
+                <a:solidFill>
+                  <a:schemeClr val="dk1"/>
+                </a:solidFill>
+                <a:latin typeface="Helvetica Neue"/>
+                <a:ea typeface="Helvetica Neue"/>
+                <a:cs typeface="Helvetica Neue"/>
+                <a:sym typeface="Helvetica Neue"/>
+              </a:rPr>
+              <a:t>and directional_variance (variation in movement direction).</a:t>
             </a:r>
             <a:endParaRPr sz="1800">
               <a:solidFill>
@@ -16777,6 +16621,102 @@
       <p:sp>
         <p:nvSpPr>
           <p:cNvPr id="140" name="Google Shape;140;p19"/>
+          <p:cNvSpPr txBox="1"/>
+          <p:nvPr>
+            <p:ph idx="12" type="sldNum"/>
+          </p:nvPr>
+        </p:nvSpPr>
+        <p:spPr>
+          <a:xfrm>
+            <a:off x="10802678" y="6284675"/>
+            <a:ext cx="551100" cy="377400"/>
+          </a:xfrm>
+          <a:prstGeom prst="rect">
+            <a:avLst/>
+          </a:prstGeom>
+          <a:noFill/>
+          <a:ln>
+            <a:noFill/>
+          </a:ln>
+        </p:spPr>
+        <p:txBody>
+          <a:bodyPr anchorCtr="0" anchor="ctr" bIns="45700" lIns="91425" spcFirstLastPara="1" rIns="91425" wrap="square" tIns="45700">
+            <a:noAutofit/>
+          </a:bodyPr>
+          <a:lstStyle/>
+          <a:p>
+            <a:pPr indent="0" lvl="0" marL="0" rtl="0" algn="r">
+              <a:spcBef>
+                <a:spcPts val="0"/>
+              </a:spcBef>
+              <a:spcAft>
+                <a:spcPts val="0"/>
+              </a:spcAft>
+              <a:buNone/>
+            </a:pPr>
+            <a:r>
+              <a:rPr b="1" lang="en-US"/>
+              <a:t>|</a:t>
+            </a:r>
+            <a:r>
+              <a:rPr lang="en-US"/>
+              <a:t>  </a:t>
+            </a:r>
+            <a:fld id="{00000000-1234-1234-1234-123412341234}" type="slidenum">
+              <a:rPr lang="en-US"/>
+              <a:t>‹#›</a:t>
+            </a:fld>
+            <a:endParaRPr/>
+          </a:p>
+        </p:txBody>
+      </p:sp>
+      <p:sp>
+        <p:nvSpPr>
+          <p:cNvPr id="141" name="Google Shape;141;p19"/>
+          <p:cNvSpPr txBox="1"/>
+          <p:nvPr>
+            <p:ph idx="10" type="dt"/>
+          </p:nvPr>
+        </p:nvSpPr>
+        <p:spPr>
+          <a:xfrm>
+            <a:off x="7924800" y="6284674"/>
+            <a:ext cx="2877900" cy="377400"/>
+          </a:xfrm>
+          <a:prstGeom prst="rect">
+            <a:avLst/>
+          </a:prstGeom>
+          <a:noFill/>
+          <a:ln>
+            <a:noFill/>
+          </a:ln>
+        </p:spPr>
+        <p:txBody>
+          <a:bodyPr anchorCtr="0" anchor="ctr" bIns="45700" lIns="91425" spcFirstLastPara="1" rIns="91425" wrap="square" tIns="45700">
+            <a:noAutofit/>
+          </a:bodyPr>
+          <a:lstStyle/>
+          <a:p>
+            <a:pPr indent="0" lvl="0" marL="0" rtl="0" algn="r">
+              <a:spcBef>
+                <a:spcPts val="0"/>
+              </a:spcBef>
+              <a:spcAft>
+                <a:spcPts val="0"/>
+              </a:spcAft>
+              <a:buNone/>
+            </a:pPr>
+            <a:r>
+              <a:rPr lang="en-US"/>
+              <a:t>18/03/2025</a:t>
+            </a:r>
+            <a:endParaRPr/>
+          </a:p>
+        </p:txBody>
+      </p:sp>
+      <p:sp>
+        <p:nvSpPr>
+          <p:cNvPr id="142" name="Google Shape;142;p19"/>
           <p:cNvSpPr txBox="1"/>
           <p:nvPr>
             <p:ph type="title"/>
@@ -16820,105 +16760,21 @@
             </a:pPr>
             <a:r>
               <a:rPr lang="en-US" sz="3300"/>
-              <a:t>Our Approach &amp; Features (2/2)</a:t>
+              <a:t>Our</a:t>
+            </a:r>
+            <a:r>
+              <a:rPr lang="en-US" sz="3300"/>
+              <a:t> Approach &amp; Features (2</a:t>
+            </a:r>
+            <a:r>
+              <a:rPr lang="en-US" sz="3300"/>
+              <a:t>/2</a:t>
+            </a:r>
+            <a:r>
+              <a:rPr lang="en-US" sz="3300"/>
+              <a:t>)</a:t>
             </a:r>
             <a:endParaRPr sz="3300"/>
-          </a:p>
-        </p:txBody>
-      </p:sp>
-      <p:sp>
-        <p:nvSpPr>
-          <p:cNvPr id="141" name="Google Shape;141;p19"/>
-          <p:cNvSpPr txBox="1"/>
-          <p:nvPr>
-            <p:ph idx="12" type="sldNum"/>
-          </p:nvPr>
-        </p:nvSpPr>
-        <p:spPr>
-          <a:xfrm>
-            <a:off x="10802678" y="6284675"/>
-            <a:ext cx="551100" cy="377400"/>
-          </a:xfrm>
-          <a:prstGeom prst="rect">
-            <a:avLst/>
-          </a:prstGeom>
-          <a:noFill/>
-          <a:ln>
-            <a:noFill/>
-          </a:ln>
-        </p:spPr>
-        <p:txBody>
-          <a:bodyPr anchorCtr="0" anchor="ctr" bIns="45700" lIns="91425" spcFirstLastPara="1" rIns="91425" wrap="square" tIns="45700">
-            <a:noAutofit/>
-          </a:bodyPr>
-          <a:lstStyle/>
-          <a:p>
-            <a:pPr indent="0" lvl="0" marL="0" rtl="0" algn="r">
-              <a:spcBef>
-                <a:spcPts val="0"/>
-              </a:spcBef>
-              <a:spcAft>
-                <a:spcPts val="0"/>
-              </a:spcAft>
-              <a:buNone/>
-            </a:pPr>
-            <a:r>
-              <a:rPr b="1" lang="en-US"/>
-              <a:t>|</a:t>
-            </a:r>
-            <a:r>
-              <a:rPr lang="en-US"/>
-              <a:t>  </a:t>
-            </a:r>
-            <a:fld id="{00000000-1234-1234-1234-123412341234}" type="slidenum">
-              <a:rPr lang="en-US"/>
-              <a:t>‹#›</a:t>
-            </a:fld>
-            <a:endParaRPr/>
-          </a:p>
-        </p:txBody>
-      </p:sp>
-      <p:sp>
-        <p:nvSpPr>
-          <p:cNvPr id="142" name="Google Shape;142;p19"/>
-          <p:cNvSpPr txBox="1"/>
-          <p:nvPr>
-            <p:ph idx="10" type="dt"/>
-          </p:nvPr>
-        </p:nvSpPr>
-        <p:spPr>
-          <a:xfrm>
-            <a:off x="7924800" y="6284674"/>
-            <a:ext cx="2877900" cy="377400"/>
-          </a:xfrm>
-          <a:prstGeom prst="rect">
-            <a:avLst/>
-          </a:prstGeom>
-          <a:noFill/>
-          <a:ln>
-            <a:noFill/>
-          </a:ln>
-        </p:spPr>
-        <p:txBody>
-          <a:bodyPr anchorCtr="0" anchor="ctr" bIns="45700" lIns="91425" spcFirstLastPara="1" rIns="91425" wrap="square" tIns="45700">
-            <a:noAutofit/>
-          </a:bodyPr>
-          <a:lstStyle/>
-          <a:p>
-            <a:pPr indent="0" lvl="0" marL="0" rtl="0" algn="r">
-              <a:spcBef>
-                <a:spcPts val="0"/>
-              </a:spcBef>
-              <a:spcAft>
-                <a:spcPts val="0"/>
-              </a:spcAft>
-              <a:buNone/>
-            </a:pPr>
-            <a:r>
-              <a:rPr lang="en-US"/>
-              <a:t>18/03/2025</a:t>
-            </a:r>
-            <a:endParaRPr/>
           </a:p>
         </p:txBody>
       </p:sp>
@@ -17121,7 +16977,135 @@
                 <a:cs typeface="Helvetica Neue"/>
                 <a:sym typeface="Helvetica Neue"/>
               </a:rPr>
-              <a:t>We plan to use DBSCAN and RandomForest as our classifiers to process these derived features, focusing on handling class imbalance and ensuring feature robustness before proceeding to model training and evaluation.</a:t>
+              <a:t>We plan to use DBSCAN and </a:t>
+            </a:r>
+            <a:r>
+              <a:rPr b="1" lang="en-US" sz="1800">
+                <a:solidFill>
+                  <a:schemeClr val="dk1"/>
+                </a:solidFill>
+                <a:latin typeface="Helvetica Neue"/>
+                <a:ea typeface="Helvetica Neue"/>
+                <a:cs typeface="Helvetica Neue"/>
+                <a:sym typeface="Helvetica Neue"/>
+              </a:rPr>
+              <a:t>RandomForest</a:t>
+            </a:r>
+            <a:r>
+              <a:rPr lang="en-US" sz="1800">
+                <a:solidFill>
+                  <a:schemeClr val="dk1"/>
+                </a:solidFill>
+                <a:latin typeface="Helvetica Neue"/>
+                <a:ea typeface="Helvetica Neue"/>
+                <a:cs typeface="Helvetica Neue"/>
+                <a:sym typeface="Helvetica Neue"/>
+              </a:rPr>
+              <a:t> as our classifiers to process these </a:t>
+            </a:r>
+            <a:r>
+              <a:rPr b="1" lang="en-US" sz="1800">
+                <a:solidFill>
+                  <a:schemeClr val="dk1"/>
+                </a:solidFill>
+                <a:latin typeface="Helvetica Neue"/>
+                <a:ea typeface="Helvetica Neue"/>
+                <a:cs typeface="Helvetica Neue"/>
+                <a:sym typeface="Helvetica Neue"/>
+              </a:rPr>
+              <a:t>derived features</a:t>
+            </a:r>
+            <a:r>
+              <a:rPr lang="en-US" sz="1800">
+                <a:solidFill>
+                  <a:schemeClr val="dk1"/>
+                </a:solidFill>
+                <a:latin typeface="Helvetica Neue"/>
+                <a:ea typeface="Helvetica Neue"/>
+                <a:cs typeface="Helvetica Neue"/>
+                <a:sym typeface="Helvetica Neue"/>
+              </a:rPr>
+              <a:t>, focusing on handling class imbalance and ensuring feature robustness before proceeding to model training and evaluation.</a:t>
+            </a:r>
+            <a:endParaRPr sz="1800">
+              <a:solidFill>
+                <a:schemeClr val="dk1"/>
+              </a:solidFill>
+              <a:latin typeface="Helvetica Neue"/>
+              <a:ea typeface="Helvetica Neue"/>
+              <a:cs typeface="Helvetica Neue"/>
+              <a:sym typeface="Helvetica Neue"/>
+            </a:endParaRPr>
+          </a:p>
+          <a:p>
+            <a:pPr indent="-342900" lvl="0" marL="457200" rtl="0" algn="l">
+              <a:lnSpc>
+                <a:spcPct val="150000"/>
+              </a:lnSpc>
+              <a:spcBef>
+                <a:spcPts val="0"/>
+              </a:spcBef>
+              <a:spcAft>
+                <a:spcPts val="0"/>
+              </a:spcAft>
+              <a:buClr>
+                <a:schemeClr val="dk1"/>
+              </a:buClr>
+              <a:buSzPts val="1800"/>
+              <a:buFont typeface="Helvetica Neue"/>
+              <a:buChar char="●"/>
+            </a:pPr>
+            <a:r>
+              <a:rPr lang="en-US" sz="1800">
+                <a:solidFill>
+                  <a:schemeClr val="dk1"/>
+                </a:solidFill>
+                <a:latin typeface="Helvetica Neue"/>
+                <a:ea typeface="Helvetica Neue"/>
+                <a:cs typeface="Helvetica Neue"/>
+                <a:sym typeface="Helvetica Neue"/>
+              </a:rPr>
+              <a:t>Path Efficiency	</a:t>
+            </a:r>
+            <a:endParaRPr sz="1800">
+              <a:solidFill>
+                <a:schemeClr val="dk1"/>
+              </a:solidFill>
+              <a:latin typeface="Helvetica Neue"/>
+              <a:ea typeface="Helvetica Neue"/>
+              <a:cs typeface="Helvetica Neue"/>
+              <a:sym typeface="Helvetica Neue"/>
+            </a:endParaRPr>
+          </a:p>
+          <a:p>
+            <a:pPr indent="-342900" lvl="1" marL="914400" rtl="0" algn="l">
+              <a:lnSpc>
+                <a:spcPct val="150000"/>
+              </a:lnSpc>
+              <a:spcBef>
+                <a:spcPts val="0"/>
+              </a:spcBef>
+              <a:spcAft>
+                <a:spcPts val="0"/>
+              </a:spcAft>
+              <a:buClr>
+                <a:schemeClr val="dk1"/>
+              </a:buClr>
+              <a:buSzPts val="1800"/>
+              <a:buFont typeface="Arial"/>
+              <a:buChar char="○"/>
+            </a:pPr>
+            <a:r>
+              <a:rPr lang="en-US" sz="1800">
+                <a:solidFill>
+                  <a:schemeClr val="dk1"/>
+                </a:solidFill>
+                <a:latin typeface="Helvetica Neue"/>
+                <a:ea typeface="Helvetica Neue"/>
+                <a:cs typeface="Helvetica Neue"/>
+                <a:sym typeface="Helvetica Neue"/>
+              </a:rPr>
+              <a:t>Based on the the types of path which a vehicle can take, we can calculate the path efficiency for each type of path and classify based on it whether it is a normal or abnormal trajectory</a:t>
             </a:r>
             <a:endParaRPr sz="1800">
               <a:solidFill>
@@ -17258,7 +17242,7 @@
           </a:bodyPr>
           <a:lstStyle/>
           <a:p>
-            <a:pPr indent="0" lvl="0" marL="0" rtl="0" algn="l">
+            <a:pPr indent="0" lvl="0" marL="0" rtl="0" algn="ctr">
               <a:lnSpc>
                 <a:spcPct val="90000"/>
               </a:lnSpc>
@@ -17277,7 +17261,11 @@
             </a:pPr>
             <a:r>
               <a:rPr lang="en-US" sz="3300"/>
-              <a:t>Your Approach &amp; Future Work </a:t>
+              <a:t>F</a:t>
+            </a:r>
+            <a:r>
+              <a:rPr lang="en-US" sz="3300"/>
+              <a:t>uture Work </a:t>
             </a:r>
             <a:endParaRPr sz="3300"/>
           </a:p>
@@ -17392,7 +17380,7 @@
               </a:buClr>
               <a:buSzPts val="1800"/>
               <a:buFont typeface="Helvetica Neue"/>
-              <a:buChar char="●"/>
+              <a:buAutoNum type="arabicPeriod"/>
             </a:pPr>
             <a:r>
               <a:rPr lang="en-US" sz="1800">
@@ -17432,7 +17420,7 @@
               </a:buClr>
               <a:buSzPts val="1800"/>
               <a:buFont typeface="Helvetica Neue"/>
-              <a:buChar char="●"/>
+              <a:buAutoNum type="arabicPeriod"/>
             </a:pPr>
             <a:r>
               <a:rPr lang="en-US" sz="1800">
@@ -17472,7 +17460,7 @@
               </a:buClr>
               <a:buSzPts val="1800"/>
               <a:buFont typeface="Helvetica Neue"/>
-              <a:buChar char="●"/>
+              <a:buAutoNum type="arabicPeriod"/>
             </a:pPr>
             <a:r>
               <a:rPr lang="en-US" sz="1800">
@@ -17512,7 +17500,7 @@
               </a:buClr>
               <a:buSzPts val="1800"/>
               <a:buFont typeface="Helvetica Neue"/>
-              <a:buChar char="●"/>
+              <a:buAutoNum type="arabicPeriod"/>
             </a:pPr>
             <a:r>
               <a:rPr lang="en-US" sz="1800">
@@ -17552,7 +17540,7 @@
               </a:buClr>
               <a:buSzPts val="1800"/>
               <a:buFont typeface="Helvetica Neue"/>
-              <a:buChar char="●"/>
+              <a:buAutoNum type="arabicPeriod"/>
             </a:pPr>
             <a:r>
               <a:rPr lang="en-US" sz="1800">
@@ -17735,6 +17723,285 @@
 </file>
 
 <file path=ppt/theme/theme1.xml><?xml version="1.0" encoding="utf-8"?>
+<a:theme xmlns:a="http://schemas.openxmlformats.org/drawingml/2006/main" xmlns:r="http://schemas.openxmlformats.org/officeDocument/2006/relationships" name="Office Theme">
+  <a:themeElements>
+    <a:clrScheme name="Ahmedabad University ">
+      <a:dk1>
+        <a:srgbClr val="000000"/>
+      </a:dk1>
+      <a:lt1>
+        <a:srgbClr val="FFFFFF"/>
+      </a:lt1>
+      <a:dk2>
+        <a:srgbClr val="7D1916"/>
+      </a:dk2>
+      <a:lt2>
+        <a:srgbClr val="F2F1EE"/>
+      </a:lt2>
+      <a:accent1>
+        <a:srgbClr val="894C00"/>
+      </a:accent1>
+      <a:accent2>
+        <a:srgbClr val="7F4700"/>
+      </a:accent2>
+      <a:accent3>
+        <a:srgbClr val="A5A5A5"/>
+      </a:accent3>
+      <a:accent4>
+        <a:srgbClr val="BC933E"/>
+      </a:accent4>
+      <a:accent5>
+        <a:srgbClr val="000000"/>
+      </a:accent5>
+      <a:accent6>
+        <a:srgbClr val="FEFFFF"/>
+      </a:accent6>
+      <a:hlink>
+        <a:srgbClr val="000000"/>
+      </a:hlink>
+      <a:folHlink>
+        <a:srgbClr val="FEFFFF"/>
+      </a:folHlink>
+    </a:clrScheme>
+    <a:fontScheme name="Office">
+      <a:majorFont>
+        <a:latin typeface="Arial"/>
+        <a:ea typeface=""/>
+        <a:cs typeface=""/>
+        <a:font script="Jpan" typeface="ＭＳ Ｐゴシック"/>
+        <a:font script="Hang" typeface="맑은 고딕"/>
+        <a:font script="Hans" typeface="宋体"/>
+        <a:font script="Hant" typeface="新細明體"/>
+        <a:font script="Arab" typeface="Times New Roman"/>
+        <a:font script="Hebr" typeface="Times New Roman"/>
+        <a:font script="Thai" typeface="Angsana New"/>
+        <a:font script="Ethi" typeface="Nyala"/>
+        <a:font script="Beng" typeface="Vrinda"/>
+        <a:font script="Gujr" typeface="Shruti"/>
+        <a:font script="Khmr" typeface="MoolBoran"/>
+        <a:font script="Knda" typeface="Tunga"/>
+        <a:font script="Guru" typeface="Raavi"/>
+        <a:font script="Cans" typeface="Euphemia"/>
+        <a:font script="Cher" typeface="Plantagenet Cherokee"/>
+        <a:font script="Yiii" typeface="Microsoft Yi Baiti"/>
+        <a:font script="Tibt" typeface="Microsoft Himalaya"/>
+        <a:font script="Thaa" typeface="MV Boli"/>
+        <a:font script="Deva" typeface="Mangal"/>
+        <a:font script="Telu" typeface="Gautami"/>
+        <a:font script="Taml" typeface="Latha"/>
+        <a:font script="Syrc" typeface="Estrangelo Edessa"/>
+        <a:font script="Orya" typeface="Kalinga"/>
+        <a:font script="Mlym" typeface="Kartika"/>
+        <a:font script="Laoo" typeface="DokChampa"/>
+        <a:font script="Sinh" typeface="Iskoola Pota"/>
+        <a:font script="Mong" typeface="Mongolian Baiti"/>
+        <a:font script="Viet" typeface="Times New Roman"/>
+        <a:font script="Uigh" typeface="Microsoft Uighur"/>
+        <a:font script="Geor" typeface="Sylfaen"/>
+      </a:majorFont>
+      <a:minorFont>
+        <a:latin typeface="Arial"/>
+        <a:ea typeface=""/>
+        <a:cs typeface=""/>
+        <a:font script="Jpan" typeface="ＭＳ Ｐゴシック"/>
+        <a:font script="Hang" typeface="맑은 고딕"/>
+        <a:font script="Hans" typeface="宋体"/>
+        <a:font script="Hant" typeface="新細明體"/>
+        <a:font script="Arab" typeface="Arial"/>
+        <a:font script="Hebr" typeface="Arial"/>
+        <a:font script="Thai" typeface="Cordia New"/>
+        <a:font script="Ethi" typeface="Nyala"/>
+        <a:font script="Beng" typeface="Vrinda"/>
+        <a:font script="Gujr" typeface="Shruti"/>
+        <a:font script="Khmr" typeface="DaunPenh"/>
+        <a:font script="Knda" typeface="Tunga"/>
+        <a:font script="Guru" typeface="Raavi"/>
+        <a:font script="Cans" typeface="Euphemia"/>
+        <a:font script="Cher" typeface="Plantagenet Cherokee"/>
+        <a:font script="Yiii" typeface="Microsoft Yi Baiti"/>
+        <a:font script="Tibt" typeface="Microsoft Himalaya"/>
+        <a:font script="Thaa" typeface="MV Boli"/>
+        <a:font script="Deva" typeface="Mangal"/>
+        <a:font script="Telu" typeface="Gautami"/>
+        <a:font script="Taml" typeface="Latha"/>
+        <a:font script="Syrc" typeface="Estrangelo Edessa"/>
+        <a:font script="Orya" typeface="Kalinga"/>
+        <a:font script="Mlym" typeface="Kartika"/>
+        <a:font script="Laoo" typeface="DokChampa"/>
+        <a:font script="Sinh" typeface="Iskoola Pota"/>
+        <a:font script="Mong" typeface="Mongolian Baiti"/>
+        <a:font script="Viet" typeface="Arial"/>
+        <a:font script="Uigh" typeface="Microsoft Uighur"/>
+        <a:font script="Geor" typeface="Sylfaen"/>
+      </a:minorFont>
+    </a:fontScheme>
+    <a:fmtScheme name="Office">
+      <a:fillStyleLst>
+        <a:solidFill>
+          <a:schemeClr val="phClr"/>
+        </a:solidFill>
+        <a:gradFill rotWithShape="1">
+          <a:gsLst>
+            <a:gs pos="0">
+              <a:schemeClr val="phClr">
+                <a:tint val="50000"/>
+                <a:satMod val="300000"/>
+              </a:schemeClr>
+            </a:gs>
+            <a:gs pos="35000">
+              <a:schemeClr val="phClr">
+                <a:tint val="37000"/>
+                <a:satMod val="300000"/>
+              </a:schemeClr>
+            </a:gs>
+            <a:gs pos="100000">
+              <a:schemeClr val="phClr">
+                <a:tint val="15000"/>
+                <a:satMod val="350000"/>
+              </a:schemeClr>
+            </a:gs>
+          </a:gsLst>
+          <a:lin ang="16200000" scaled="1"/>
+        </a:gradFill>
+        <a:gradFill rotWithShape="1">
+          <a:gsLst>
+            <a:gs pos="0">
+              <a:schemeClr val="phClr">
+                <a:tint val="100000"/>
+                <a:shade val="100000"/>
+                <a:satMod val="130000"/>
+              </a:schemeClr>
+            </a:gs>
+            <a:gs pos="100000">
+              <a:schemeClr val="phClr">
+                <a:tint val="50000"/>
+                <a:shade val="100000"/>
+                <a:satMod val="350000"/>
+              </a:schemeClr>
+            </a:gs>
+          </a:gsLst>
+          <a:lin ang="16200000" scaled="0"/>
+        </a:gradFill>
+      </a:fillStyleLst>
+      <a:lnStyleLst>
+        <a:ln w="9525" cap="flat" cmpd="sng" algn="ctr">
+          <a:solidFill>
+            <a:schemeClr val="phClr">
+              <a:shade val="95000"/>
+              <a:satMod val="105000"/>
+            </a:schemeClr>
+          </a:solidFill>
+          <a:prstDash val="solid"/>
+        </a:ln>
+        <a:ln w="25400" cap="flat" cmpd="sng" algn="ctr">
+          <a:solidFill>
+            <a:schemeClr val="phClr"/>
+          </a:solidFill>
+          <a:prstDash val="solid"/>
+        </a:ln>
+        <a:ln w="38100" cap="flat" cmpd="sng" algn="ctr">
+          <a:solidFill>
+            <a:schemeClr val="phClr"/>
+          </a:solidFill>
+          <a:prstDash val="solid"/>
+        </a:ln>
+      </a:lnStyleLst>
+      <a:effectStyleLst>
+        <a:effectStyle>
+          <a:effectLst>
+            <a:outerShdw blurRad="40000" dist="20000" dir="5400000" rotWithShape="0">
+              <a:srgbClr val="000000">
+                <a:alpha val="38000"/>
+              </a:srgbClr>
+            </a:outerShdw>
+          </a:effectLst>
+        </a:effectStyle>
+        <a:effectStyle>
+          <a:effectLst>
+            <a:outerShdw blurRad="40000" dist="23000" dir="5400000" rotWithShape="0">
+              <a:srgbClr val="000000">
+                <a:alpha val="35000"/>
+              </a:srgbClr>
+            </a:outerShdw>
+          </a:effectLst>
+        </a:effectStyle>
+        <a:effectStyle>
+          <a:effectLst>
+            <a:outerShdw blurRad="40000" dist="23000" dir="5400000" rotWithShape="0">
+              <a:srgbClr val="000000">
+                <a:alpha val="35000"/>
+              </a:srgbClr>
+            </a:outerShdw>
+          </a:effectLst>
+          <a:scene3d>
+            <a:camera prst="orthographicFront">
+              <a:rot lat="0" lon="0" rev="0"/>
+            </a:camera>
+            <a:lightRig rig="threePt" dir="t">
+              <a:rot lat="0" lon="0" rev="1200000"/>
+            </a:lightRig>
+          </a:scene3d>
+          <a:sp3d>
+            <a:bevelT w="63500" h="25400"/>
+          </a:sp3d>
+        </a:effectStyle>
+      </a:effectStyleLst>
+      <a:bgFillStyleLst>
+        <a:solidFill>
+          <a:schemeClr val="phClr"/>
+        </a:solidFill>
+        <a:gradFill rotWithShape="1">
+          <a:gsLst>
+            <a:gs pos="0">
+              <a:schemeClr val="phClr">
+                <a:tint val="40000"/>
+                <a:satMod val="350000"/>
+              </a:schemeClr>
+            </a:gs>
+            <a:gs pos="40000">
+              <a:schemeClr val="phClr">
+                <a:tint val="45000"/>
+                <a:shade val="99000"/>
+                <a:satMod val="350000"/>
+              </a:schemeClr>
+            </a:gs>
+            <a:gs pos="100000">
+              <a:schemeClr val="phClr">
+                <a:shade val="20000"/>
+                <a:satMod val="255000"/>
+              </a:schemeClr>
+            </a:gs>
+          </a:gsLst>
+          <a:path path="circle">
+            <a:fillToRect l="50000" t="-80000" r="50000" b="180000"/>
+          </a:path>
+        </a:gradFill>
+        <a:gradFill rotWithShape="1">
+          <a:gsLst>
+            <a:gs pos="0">
+              <a:schemeClr val="phClr">
+                <a:tint val="80000"/>
+                <a:satMod val="300000"/>
+              </a:schemeClr>
+            </a:gs>
+            <a:gs pos="100000">
+              <a:schemeClr val="phClr">
+                <a:shade val="30000"/>
+                <a:satMod val="200000"/>
+              </a:schemeClr>
+            </a:gs>
+          </a:gsLst>
+          <a:path path="circle">
+            <a:fillToRect l="50000" t="50000" r="50000" b="50000"/>
+          </a:path>
+        </a:gradFill>
+      </a:bgFillStyleLst>
+    </a:fmtScheme>
+  </a:themeElements>
+</a:theme>
+</file>
+
+<file path=ppt/theme/theme2.xml><?xml version="1.0" encoding="utf-8"?>
 <a:theme xmlns:a="http://schemas.openxmlformats.org/drawingml/2006/main" xmlns:r="http://schemas.openxmlformats.org/officeDocument/2006/relationships" name="Office Theme">
   <a:themeElements>
     <a:clrScheme name="Office">
@@ -18011,283 +18278,4 @@
     </a:fmtScheme>
   </a:themeElements>
 </a:theme>
-</file>
-
-<file path=ppt/theme/theme2.xml><?xml version="1.0" encoding="utf-8"?>
-<a:theme xmlns:a="http://schemas.openxmlformats.org/drawingml/2006/main" xmlns:r="http://schemas.openxmlformats.org/officeDocument/2006/relationships" name="Office Theme">
-  <a:themeElements>
-    <a:clrScheme name="Ahmedabad University ">
-      <a:dk1>
-        <a:srgbClr val="000000"/>
-      </a:dk1>
-      <a:lt1>
-        <a:srgbClr val="FFFFFF"/>
-      </a:lt1>
-      <a:dk2>
-        <a:srgbClr val="7D1916"/>
-      </a:dk2>
-      <a:lt2>
-        <a:srgbClr val="F2F1EE"/>
-      </a:lt2>
-      <a:accent1>
-        <a:srgbClr val="894C00"/>
-      </a:accent1>
-      <a:accent2>
-        <a:srgbClr val="7F4700"/>
-      </a:accent2>
-      <a:accent3>
-        <a:srgbClr val="A5A5A5"/>
-      </a:accent3>
-      <a:accent4>
-        <a:srgbClr val="BC933E"/>
-      </a:accent4>
-      <a:accent5>
-        <a:srgbClr val="000000"/>
-      </a:accent5>
-      <a:accent6>
-        <a:srgbClr val="FEFFFF"/>
-      </a:accent6>
-      <a:hlink>
-        <a:srgbClr val="000000"/>
-      </a:hlink>
-      <a:folHlink>
-        <a:srgbClr val="FEFFFF"/>
-      </a:folHlink>
-    </a:clrScheme>
-    <a:fontScheme name="Office">
-      <a:majorFont>
-        <a:latin typeface="Arial"/>
-        <a:ea typeface=""/>
-        <a:cs typeface=""/>
-        <a:font script="Jpan" typeface="ＭＳ Ｐゴシック"/>
-        <a:font script="Hang" typeface="맑은 고딕"/>
-        <a:font script="Hans" typeface="宋体"/>
-        <a:font script="Hant" typeface="新細明體"/>
-        <a:font script="Arab" typeface="Times New Roman"/>
-        <a:font script="Hebr" typeface="Times New Roman"/>
-        <a:font script="Thai" typeface="Angsana New"/>
-        <a:font script="Ethi" typeface="Nyala"/>
-        <a:font script="Beng" typeface="Vrinda"/>
-        <a:font script="Gujr" typeface="Shruti"/>
-        <a:font script="Khmr" typeface="MoolBoran"/>
-        <a:font script="Knda" typeface="Tunga"/>
-        <a:font script="Guru" typeface="Raavi"/>
-        <a:font script="Cans" typeface="Euphemia"/>
-        <a:font script="Cher" typeface="Plantagenet Cherokee"/>
-        <a:font script="Yiii" typeface="Microsoft Yi Baiti"/>
-        <a:font script="Tibt" typeface="Microsoft Himalaya"/>
-        <a:font script="Thaa" typeface="MV Boli"/>
-        <a:font script="Deva" typeface="Mangal"/>
-        <a:font script="Telu" typeface="Gautami"/>
-        <a:font script="Taml" typeface="Latha"/>
-        <a:font script="Syrc" typeface="Estrangelo Edessa"/>
-        <a:font script="Orya" typeface="Kalinga"/>
-        <a:font script="Mlym" typeface="Kartika"/>
-        <a:font script="Laoo" typeface="DokChampa"/>
-        <a:font script="Sinh" typeface="Iskoola Pota"/>
-        <a:font script="Mong" typeface="Mongolian Baiti"/>
-        <a:font script="Viet" typeface="Times New Roman"/>
-        <a:font script="Uigh" typeface="Microsoft Uighur"/>
-        <a:font script="Geor" typeface="Sylfaen"/>
-      </a:majorFont>
-      <a:minorFont>
-        <a:latin typeface="Arial"/>
-        <a:ea typeface=""/>
-        <a:cs typeface=""/>
-        <a:font script="Jpan" typeface="ＭＳ Ｐゴシック"/>
-        <a:font script="Hang" typeface="맑은 고딕"/>
-        <a:font script="Hans" typeface="宋体"/>
-        <a:font script="Hant" typeface="新細明體"/>
-        <a:font script="Arab" typeface="Arial"/>
-        <a:font script="Hebr" typeface="Arial"/>
-        <a:font script="Thai" typeface="Cordia New"/>
-        <a:font script="Ethi" typeface="Nyala"/>
-        <a:font script="Beng" typeface="Vrinda"/>
-        <a:font script="Gujr" typeface="Shruti"/>
-        <a:font script="Khmr" typeface="DaunPenh"/>
-        <a:font script="Knda" typeface="Tunga"/>
-        <a:font script="Guru" typeface="Raavi"/>
-        <a:font script="Cans" typeface="Euphemia"/>
-        <a:font script="Cher" typeface="Plantagenet Cherokee"/>
-        <a:font script="Yiii" typeface="Microsoft Yi Baiti"/>
-        <a:font script="Tibt" typeface="Microsoft Himalaya"/>
-        <a:font script="Thaa" typeface="MV Boli"/>
-        <a:font script="Deva" typeface="Mangal"/>
-        <a:font script="Telu" typeface="Gautami"/>
-        <a:font script="Taml" typeface="Latha"/>
-        <a:font script="Syrc" typeface="Estrangelo Edessa"/>
-        <a:font script="Orya" typeface="Kalinga"/>
-        <a:font script="Mlym" typeface="Kartika"/>
-        <a:font script="Laoo" typeface="DokChampa"/>
-        <a:font script="Sinh" typeface="Iskoola Pota"/>
-        <a:font script="Mong" typeface="Mongolian Baiti"/>
-        <a:font script="Viet" typeface="Arial"/>
-        <a:font script="Uigh" typeface="Microsoft Uighur"/>
-        <a:font script="Geor" typeface="Sylfaen"/>
-      </a:minorFont>
-    </a:fontScheme>
-    <a:fmtScheme name="Office">
-      <a:fillStyleLst>
-        <a:solidFill>
-          <a:schemeClr val="phClr"/>
-        </a:solidFill>
-        <a:gradFill rotWithShape="1">
-          <a:gsLst>
-            <a:gs pos="0">
-              <a:schemeClr val="phClr">
-                <a:tint val="50000"/>
-                <a:satMod val="300000"/>
-              </a:schemeClr>
-            </a:gs>
-            <a:gs pos="35000">
-              <a:schemeClr val="phClr">
-                <a:tint val="37000"/>
-                <a:satMod val="300000"/>
-              </a:schemeClr>
-            </a:gs>
-            <a:gs pos="100000">
-              <a:schemeClr val="phClr">
-                <a:tint val="15000"/>
-                <a:satMod val="350000"/>
-              </a:schemeClr>
-            </a:gs>
-          </a:gsLst>
-          <a:lin ang="16200000" scaled="1"/>
-        </a:gradFill>
-        <a:gradFill rotWithShape="1">
-          <a:gsLst>
-            <a:gs pos="0">
-              <a:schemeClr val="phClr">
-                <a:tint val="100000"/>
-                <a:shade val="100000"/>
-                <a:satMod val="130000"/>
-              </a:schemeClr>
-            </a:gs>
-            <a:gs pos="100000">
-              <a:schemeClr val="phClr">
-                <a:tint val="50000"/>
-                <a:shade val="100000"/>
-                <a:satMod val="350000"/>
-              </a:schemeClr>
-            </a:gs>
-          </a:gsLst>
-          <a:lin ang="16200000" scaled="0"/>
-        </a:gradFill>
-      </a:fillStyleLst>
-      <a:lnStyleLst>
-        <a:ln w="9525" cap="flat" cmpd="sng" algn="ctr">
-          <a:solidFill>
-            <a:schemeClr val="phClr">
-              <a:shade val="95000"/>
-              <a:satMod val="105000"/>
-            </a:schemeClr>
-          </a:solidFill>
-          <a:prstDash val="solid"/>
-        </a:ln>
-        <a:ln w="25400" cap="flat" cmpd="sng" algn="ctr">
-          <a:solidFill>
-            <a:schemeClr val="phClr"/>
-          </a:solidFill>
-          <a:prstDash val="solid"/>
-        </a:ln>
-        <a:ln w="38100" cap="flat" cmpd="sng" algn="ctr">
-          <a:solidFill>
-            <a:schemeClr val="phClr"/>
-          </a:solidFill>
-          <a:prstDash val="solid"/>
-        </a:ln>
-      </a:lnStyleLst>
-      <a:effectStyleLst>
-        <a:effectStyle>
-          <a:effectLst>
-            <a:outerShdw blurRad="40000" dist="20000" dir="5400000" rotWithShape="0">
-              <a:srgbClr val="000000">
-                <a:alpha val="38000"/>
-              </a:srgbClr>
-            </a:outerShdw>
-          </a:effectLst>
-        </a:effectStyle>
-        <a:effectStyle>
-          <a:effectLst>
-            <a:outerShdw blurRad="40000" dist="23000" dir="5400000" rotWithShape="0">
-              <a:srgbClr val="000000">
-                <a:alpha val="35000"/>
-              </a:srgbClr>
-            </a:outerShdw>
-          </a:effectLst>
-        </a:effectStyle>
-        <a:effectStyle>
-          <a:effectLst>
-            <a:outerShdw blurRad="40000" dist="23000" dir="5400000" rotWithShape="0">
-              <a:srgbClr val="000000">
-                <a:alpha val="35000"/>
-              </a:srgbClr>
-            </a:outerShdw>
-          </a:effectLst>
-          <a:scene3d>
-            <a:camera prst="orthographicFront">
-              <a:rot lat="0" lon="0" rev="0"/>
-            </a:camera>
-            <a:lightRig rig="threePt" dir="t">
-              <a:rot lat="0" lon="0" rev="1200000"/>
-            </a:lightRig>
-          </a:scene3d>
-          <a:sp3d>
-            <a:bevelT w="63500" h="25400"/>
-          </a:sp3d>
-        </a:effectStyle>
-      </a:effectStyleLst>
-      <a:bgFillStyleLst>
-        <a:solidFill>
-          <a:schemeClr val="phClr"/>
-        </a:solidFill>
-        <a:gradFill rotWithShape="1">
-          <a:gsLst>
-            <a:gs pos="0">
-              <a:schemeClr val="phClr">
-                <a:tint val="40000"/>
-                <a:satMod val="350000"/>
-              </a:schemeClr>
-            </a:gs>
-            <a:gs pos="40000">
-              <a:schemeClr val="phClr">
-                <a:tint val="45000"/>
-                <a:shade val="99000"/>
-                <a:satMod val="350000"/>
-              </a:schemeClr>
-            </a:gs>
-            <a:gs pos="100000">
-              <a:schemeClr val="phClr">
-                <a:shade val="20000"/>
-                <a:satMod val="255000"/>
-              </a:schemeClr>
-            </a:gs>
-          </a:gsLst>
-          <a:path path="circle">
-            <a:fillToRect l="50000" t="-80000" r="50000" b="180000"/>
-          </a:path>
-        </a:gradFill>
-        <a:gradFill rotWithShape="1">
-          <a:gsLst>
-            <a:gs pos="0">
-              <a:schemeClr val="phClr">
-                <a:tint val="80000"/>
-                <a:satMod val="300000"/>
-              </a:schemeClr>
-            </a:gs>
-            <a:gs pos="100000">
-              <a:schemeClr val="phClr">
-                <a:shade val="30000"/>
-                <a:satMod val="200000"/>
-              </a:schemeClr>
-            </a:gs>
-          </a:gsLst>
-          <a:path path="circle">
-            <a:fillToRect l="50000" t="50000" r="50000" b="50000"/>
-          </a:path>
-        </a:gradFill>
-      </a:bgFillStyleLst>
-    </a:fmtScheme>
-  </a:themeElements>
-</a:theme>
 </file>